--- a/Unit 2 Kinematics/L04 Chase Problems/Chase Problems Minds-On.pptx
+++ b/Unit 2 Kinematics/L04 Chase Problems/Chase Problems Minds-On.pptx
@@ -8,9 +8,9 @@
     <p:handoutMasterId r:id="rId7"/>
   </p:handoutMasterIdLst>
   <p:sldIdLst>
-    <p:sldId id="256" r:id="rId2"/>
-    <p:sldId id="260" r:id="rId3"/>
-    <p:sldId id="261" r:id="rId4"/>
+    <p:sldId id="261" r:id="rId2"/>
+    <p:sldId id="256" r:id="rId3"/>
+    <p:sldId id="260" r:id="rId4"/>
     <p:sldId id="257" r:id="rId5"/>
     <p:sldId id="258" r:id="rId6"/>
   </p:sldIdLst>
@@ -213,7 +213,7 @@
             <a:fld id="{E30D7F4E-10D6-425C-999C-FCCFEDB2EEA3}" type="datetimeFigureOut">
               <a:rPr lang="en-US" smtClean="0"/>
               <a:pPr/>
-              <a:t>2/12/2020</a:t>
+              <a:t>2/18/2020</a:t>
             </a:fld>
             <a:endParaRPr lang="en-CA"/>
           </a:p>
@@ -479,7 +479,7 @@
             <a:fld id="{A8A160E4-D39C-40B1-A344-DBE0D3F3D74B}" type="datetimeFigureOut">
               <a:rPr lang="en-US" smtClean="0"/>
               <a:pPr/>
-              <a:t>2/12/2020</a:t>
+              <a:t>2/18/2020</a:t>
             </a:fld>
             <a:endParaRPr lang="en-CA"/>
           </a:p>
@@ -646,7 +646,7 @@
             <a:fld id="{A8A160E4-D39C-40B1-A344-DBE0D3F3D74B}" type="datetimeFigureOut">
               <a:rPr lang="en-US" smtClean="0"/>
               <a:pPr/>
-              <a:t>2/12/2020</a:t>
+              <a:t>2/18/2020</a:t>
             </a:fld>
             <a:endParaRPr lang="en-CA"/>
           </a:p>
@@ -823,7 +823,7 @@
             <a:fld id="{A8A160E4-D39C-40B1-A344-DBE0D3F3D74B}" type="datetimeFigureOut">
               <a:rPr lang="en-US" smtClean="0"/>
               <a:pPr/>
-              <a:t>2/12/2020</a:t>
+              <a:t>2/18/2020</a:t>
             </a:fld>
             <a:endParaRPr lang="en-CA"/>
           </a:p>
@@ -990,7 +990,7 @@
             <a:fld id="{A8A160E4-D39C-40B1-A344-DBE0D3F3D74B}" type="datetimeFigureOut">
               <a:rPr lang="en-US" smtClean="0"/>
               <a:pPr/>
-              <a:t>2/12/2020</a:t>
+              <a:t>2/18/2020</a:t>
             </a:fld>
             <a:endParaRPr lang="en-CA"/>
           </a:p>
@@ -1233,7 +1233,7 @@
             <a:fld id="{A8A160E4-D39C-40B1-A344-DBE0D3F3D74B}" type="datetimeFigureOut">
               <a:rPr lang="en-US" smtClean="0"/>
               <a:pPr/>
-              <a:t>2/12/2020</a:t>
+              <a:t>2/18/2020</a:t>
             </a:fld>
             <a:endParaRPr lang="en-CA"/>
           </a:p>
@@ -1518,7 +1518,7 @@
             <a:fld id="{A8A160E4-D39C-40B1-A344-DBE0D3F3D74B}" type="datetimeFigureOut">
               <a:rPr lang="en-US" smtClean="0"/>
               <a:pPr/>
-              <a:t>2/12/2020</a:t>
+              <a:t>2/18/2020</a:t>
             </a:fld>
             <a:endParaRPr lang="en-CA"/>
           </a:p>
@@ -1937,7 +1937,7 @@
             <a:fld id="{A8A160E4-D39C-40B1-A344-DBE0D3F3D74B}" type="datetimeFigureOut">
               <a:rPr lang="en-US" smtClean="0"/>
               <a:pPr/>
-              <a:t>2/12/2020</a:t>
+              <a:t>2/18/2020</a:t>
             </a:fld>
             <a:endParaRPr lang="en-CA"/>
           </a:p>
@@ -2052,7 +2052,7 @@
             <a:fld id="{A8A160E4-D39C-40B1-A344-DBE0D3F3D74B}" type="datetimeFigureOut">
               <a:rPr lang="en-US" smtClean="0"/>
               <a:pPr/>
-              <a:t>2/12/2020</a:t>
+              <a:t>2/18/2020</a:t>
             </a:fld>
             <a:endParaRPr lang="en-CA"/>
           </a:p>
@@ -2144,7 +2144,7 @@
             <a:fld id="{A8A160E4-D39C-40B1-A344-DBE0D3F3D74B}" type="datetimeFigureOut">
               <a:rPr lang="en-US" smtClean="0"/>
               <a:pPr/>
-              <a:t>2/12/2020</a:t>
+              <a:t>2/18/2020</a:t>
             </a:fld>
             <a:endParaRPr lang="en-CA"/>
           </a:p>
@@ -2418,7 +2418,7 @@
             <a:fld id="{A8A160E4-D39C-40B1-A344-DBE0D3F3D74B}" type="datetimeFigureOut">
               <a:rPr lang="en-US" smtClean="0"/>
               <a:pPr/>
-              <a:t>2/12/2020</a:t>
+              <a:t>2/18/2020</a:t>
             </a:fld>
             <a:endParaRPr lang="en-CA"/>
           </a:p>
@@ -2668,7 +2668,7 @@
             <a:fld id="{A8A160E4-D39C-40B1-A344-DBE0D3F3D74B}" type="datetimeFigureOut">
               <a:rPr lang="en-US" smtClean="0"/>
               <a:pPr/>
-              <a:t>2/12/2020</a:t>
+              <a:t>2/18/2020</a:t>
             </a:fld>
             <a:endParaRPr lang="en-CA"/>
           </a:p>
@@ -2878,7 +2878,7 @@
             <a:fld id="{A8A160E4-D39C-40B1-A344-DBE0D3F3D74B}" type="datetimeFigureOut">
               <a:rPr lang="en-US" smtClean="0"/>
               <a:pPr/>
-              <a:t>2/12/2020</a:t>
+              <a:t>2/18/2020</a:t>
             </a:fld>
             <a:endParaRPr lang="en-CA"/>
           </a:p>
@@ -3249,915 +3249,6 @@
           <a:chExt cx="0" cy="0"/>
         </a:xfrm>
       </p:grpSpPr>
-      <p:pic>
-        <p:nvPicPr>
-          <p:cNvPr id="1026" name="Picture 2"/>
-          <p:cNvPicPr>
-            <a:picLocks noChangeAspect="1" noChangeArrowheads="1"/>
-          </p:cNvPicPr>
-          <p:nvPr/>
-        </p:nvPicPr>
-        <p:blipFill>
-          <a:blip r:embed="rId2">
-            <a:extLst>
-              <a:ext uri="{28A0092B-C50C-407E-A947-70E740481C1C}">
-                <a14:useLocalDpi xmlns:a14="http://schemas.microsoft.com/office/drawing/2010/main" val="0"/>
-              </a:ext>
-            </a:extLst>
-          </a:blip>
-          <a:srcRect/>
-          <a:stretch>
-            <a:fillRect/>
-          </a:stretch>
-        </p:blipFill>
-        <p:spPr bwMode="auto">
-          <a:xfrm>
-            <a:off x="2195736" y="2852936"/>
-            <a:ext cx="3888432" cy="3888432"/>
-          </a:xfrm>
-          <a:prstGeom prst="rect">
-            <a:avLst/>
-          </a:prstGeom>
-          <a:noFill/>
-          <a:ln>
-            <a:noFill/>
-          </a:ln>
-          <a:effectLst/>
-          <a:extLst>
-            <a:ext uri="{909E8E84-426E-40DD-AFC4-6F175D3DCCD1}">
-              <a14:hiddenFill xmlns:a14="http://schemas.microsoft.com/office/drawing/2010/main">
-                <a:solidFill>
-                  <a:schemeClr val="accent1"/>
-                </a:solidFill>
-              </a14:hiddenFill>
-            </a:ext>
-            <a:ext uri="{91240B29-F687-4F45-9708-019B960494DF}">
-              <a14:hiddenLine xmlns:a14="http://schemas.microsoft.com/office/drawing/2010/main" w="9525">
-                <a:solidFill>
-                  <a:schemeClr val="tx1"/>
-                </a:solidFill>
-                <a:miter lim="800000"/>
-                <a:headEnd/>
-                <a:tailEnd/>
-              </a14:hiddenLine>
-            </a:ext>
-            <a:ext uri="{AF507438-7753-43E0-B8FC-AC1667EBCBE1}">
-              <a14:hiddenEffects xmlns:a14="http://schemas.microsoft.com/office/drawing/2010/main">
-                <a:effectLst>
-                  <a:outerShdw dist="35921" dir="2700000" algn="ctr" rotWithShape="0">
-                    <a:schemeClr val="bg2"/>
-                  </a:outerShdw>
-                </a:effectLst>
-              </a14:hiddenEffects>
-            </a:ext>
-          </a:extLst>
-        </p:spPr>
-      </p:pic>
-      <p:sp>
-        <p:nvSpPr>
-          <p:cNvPr id="2" name="Title 1"/>
-          <p:cNvSpPr>
-            <a:spLocks noGrp="1"/>
-          </p:cNvSpPr>
-          <p:nvPr>
-            <p:ph type="ctrTitle"/>
-          </p:nvPr>
-        </p:nvSpPr>
-        <p:spPr>
-          <a:xfrm>
-            <a:off x="251520" y="-171400"/>
-            <a:ext cx="8276456" cy="1470025"/>
-          </a:xfrm>
-        </p:spPr>
-        <p:txBody>
-          <a:bodyPr/>
-          <a:lstStyle/>
-          <a:p>
-            <a:r>
-              <a:rPr lang="en-CA" b="1" i="1" dirty="0">
-                <a:solidFill>
-                  <a:srgbClr val="FF0000"/>
-                </a:solidFill>
-              </a:rPr>
-              <a:t>Chase Problems</a:t>
-            </a:r>
-          </a:p>
-        </p:txBody>
-      </p:sp>
-      <p:sp>
-        <p:nvSpPr>
-          <p:cNvPr id="3" name="Subtitle 2"/>
-          <p:cNvSpPr>
-            <a:spLocks noGrp="1"/>
-          </p:cNvSpPr>
-          <p:nvPr>
-            <p:ph type="subTitle" idx="1"/>
-          </p:nvPr>
-        </p:nvSpPr>
-        <p:spPr>
-          <a:xfrm>
-            <a:off x="395536" y="908720"/>
-            <a:ext cx="8462174" cy="2185429"/>
-          </a:xfrm>
-        </p:spPr>
-        <p:txBody>
-          <a:bodyPr>
-            <a:normAutofit fontScale="92500"/>
-          </a:bodyPr>
-          <a:lstStyle/>
-          <a:p>
-            <a:pPr algn="l">
-              <a:buFont typeface="Symbol" pitchFamily="18" charset="2"/>
-              <a:buChar char="·"/>
-            </a:pPr>
-            <a:r>
-              <a:rPr lang="en-US" sz="2600" b="1" dirty="0">
-                <a:solidFill>
-                  <a:schemeClr val="tx1"/>
-                </a:solidFill>
-              </a:rPr>
-              <a:t> Involve objects either approaching or chasing each other </a:t>
-            </a:r>
-          </a:p>
-          <a:p>
-            <a:pPr algn="l"/>
-            <a:r>
-              <a:rPr lang="en-US" sz="2600" b="1" dirty="0">
-                <a:solidFill>
-                  <a:schemeClr val="tx1"/>
-                </a:solidFill>
-              </a:rPr>
-              <a:t>     E.g.   A police car chasing a speeding car.</a:t>
-            </a:r>
-          </a:p>
-          <a:p>
-            <a:pPr algn="l"/>
-            <a:r>
-              <a:rPr lang="en-US" sz="2600" b="1" dirty="0">
-                <a:solidFill>
-                  <a:schemeClr val="tx1"/>
-                </a:solidFill>
-              </a:rPr>
-              <a:t>	  A passenger chasing a departing train</a:t>
-            </a:r>
-          </a:p>
-          <a:p>
-            <a:pPr algn="l"/>
-            <a:r>
-              <a:rPr lang="en-US" sz="2600" b="1" dirty="0">
-                <a:solidFill>
-                  <a:schemeClr val="tx1"/>
-                </a:solidFill>
-              </a:rPr>
-              <a:t>	  Two trains heading towards each other on a single track</a:t>
-            </a:r>
-            <a:r>
-              <a:rPr lang="en-US" b="1" dirty="0">
-                <a:solidFill>
-                  <a:schemeClr val="tx1"/>
-                </a:solidFill>
-              </a:rPr>
-              <a:t> </a:t>
-            </a:r>
-          </a:p>
-          <a:p>
-            <a:pPr algn="l"/>
-            <a:endParaRPr lang="en-US" b="1" dirty="0">
-              <a:solidFill>
-                <a:schemeClr val="tx1"/>
-              </a:solidFill>
-            </a:endParaRPr>
-          </a:p>
-          <a:p>
-            <a:endParaRPr lang="en-CA" dirty="0"/>
-          </a:p>
-        </p:txBody>
-      </p:sp>
-    </p:spTree>
-  </p:cSld>
-  <p:clrMapOvr>
-    <a:masterClrMapping/>
-  </p:clrMapOvr>
-</p:sld>
-</file>
-
-<file path=ppt/slides/slide2.xml><?xml version="1.0" encoding="utf-8"?>
-<p:sld xmlns:a="http://schemas.openxmlformats.org/drawingml/2006/main" xmlns:r="http://schemas.openxmlformats.org/officeDocument/2006/relationships" xmlns:p="http://schemas.openxmlformats.org/presentationml/2006/main">
-  <p:cSld>
-    <p:spTree>
-      <p:nvGrpSpPr>
-        <p:cNvPr id="1" name=""/>
-        <p:cNvGrpSpPr/>
-        <p:nvPr/>
-      </p:nvGrpSpPr>
-      <p:grpSpPr>
-        <a:xfrm>
-          <a:off x="0" y="0"/>
-          <a:ext cx="0" cy="0"/>
-          <a:chOff x="0" y="0"/>
-          <a:chExt cx="0" cy="0"/>
-        </a:xfrm>
-      </p:grpSpPr>
-      <p:sp>
-        <p:nvSpPr>
-          <p:cNvPr id="6" name="Rectangle 5"/>
-          <p:cNvSpPr/>
-          <p:nvPr/>
-        </p:nvSpPr>
-        <p:spPr>
-          <a:xfrm>
-            <a:off x="500002" y="188640"/>
-            <a:ext cx="8643998" cy="4308872"/>
-          </a:xfrm>
-          <a:prstGeom prst="rect">
-            <a:avLst/>
-          </a:prstGeom>
-        </p:spPr>
-        <p:txBody>
-          <a:bodyPr wrap="square">
-            <a:spAutoFit/>
-          </a:bodyPr>
-          <a:lstStyle/>
-          <a:p>
-            <a:r>
-              <a:rPr lang="en-US" sz="3200" b="1" dirty="0">
-                <a:sym typeface="Symbol"/>
-              </a:rPr>
-              <a:t>Key Concepts:</a:t>
-            </a:r>
-          </a:p>
-          <a:p>
-            <a:pPr marL="285750" indent="-285750">
-              <a:buFont typeface="Symbol" panose="05050102010706020507" pitchFamily="18" charset="2"/>
-              <a:buChar char="·"/>
-            </a:pPr>
-            <a:endParaRPr lang="en-US" dirty="0">
-              <a:sym typeface="Symbol"/>
-            </a:endParaRPr>
-          </a:p>
-          <a:p>
-            <a:pPr marL="285750" indent="-285750">
-              <a:buFont typeface="Symbol" panose="05050102010706020507" pitchFamily="18" charset="2"/>
-              <a:buChar char="·"/>
-            </a:pPr>
-            <a:r>
-              <a:rPr lang="en-US" sz="2000" dirty="0">
-                <a:sym typeface="Symbol"/>
-              </a:rPr>
-              <a:t>Two objects will be in motion</a:t>
-            </a:r>
-          </a:p>
-          <a:p>
-            <a:pPr marL="742950" lvl="1" indent="-285750">
-              <a:buFont typeface="Symbol" panose="05050102010706020507" pitchFamily="18" charset="2"/>
-              <a:buChar char="·"/>
-            </a:pPr>
-            <a:r>
-              <a:rPr lang="en-US" dirty="0">
-                <a:sym typeface="Symbol"/>
-              </a:rPr>
-              <a:t>Either motion may be uniform or accelerated</a:t>
-            </a:r>
-            <a:r>
-              <a:rPr lang="en-US" dirty="0"/>
-              <a:t>. </a:t>
-            </a:r>
-            <a:endParaRPr lang="en-US" sz="800" dirty="0"/>
-          </a:p>
-          <a:p>
-            <a:pPr marL="742950" lvl="1" indent="-285750">
-              <a:buFont typeface="Symbol" panose="05050102010706020507" pitchFamily="18" charset="2"/>
-              <a:buChar char="·"/>
-            </a:pPr>
-            <a:r>
-              <a:rPr lang="en-US" dirty="0"/>
-              <a:t>The objects may be initially separated by a “gap” in distance.  </a:t>
-            </a:r>
-          </a:p>
-          <a:p>
-            <a:pPr marL="742950" lvl="1" indent="-285750">
-              <a:buFont typeface="Symbol" panose="05050102010706020507" pitchFamily="18" charset="2"/>
-              <a:buChar char="·"/>
-            </a:pPr>
-            <a:endParaRPr lang="en-US" dirty="0"/>
-          </a:p>
-          <a:p>
-            <a:pPr marL="285750" indent="-285750">
-              <a:buFont typeface="Symbol" panose="05050102010706020507" pitchFamily="18" charset="2"/>
-              <a:buChar char="·"/>
-            </a:pPr>
-            <a:r>
-              <a:rPr lang="en-US" sz="2000" dirty="0"/>
-              <a:t>The Starting Point is Two Equations with Two Unknowns</a:t>
-            </a:r>
-          </a:p>
-          <a:p>
-            <a:pPr marL="742950" lvl="1" indent="-285750">
-              <a:buFont typeface="Symbol" panose="05050102010706020507" pitchFamily="18" charset="2"/>
-              <a:buChar char="·"/>
-            </a:pPr>
-            <a:r>
-              <a:rPr lang="en-US" dirty="0"/>
-              <a:t>Find the POI (Point of Intersection) using Grade 10 Math</a:t>
-            </a:r>
-          </a:p>
-          <a:p>
-            <a:pPr marL="742950" lvl="1" indent="-285750">
-              <a:buFont typeface="Symbol" panose="05050102010706020507" pitchFamily="18" charset="2"/>
-              <a:buChar char="·"/>
-            </a:pPr>
-            <a:endParaRPr lang="en-US" dirty="0"/>
-          </a:p>
-          <a:p>
-            <a:pPr marL="285750" indent="-285750">
-              <a:buFont typeface="Symbol" panose="05050102010706020507" pitchFamily="18" charset="2"/>
-              <a:buChar char="·"/>
-            </a:pPr>
-            <a:r>
-              <a:rPr lang="en-US" sz="2000" dirty="0"/>
-              <a:t>Solve the chase equations graphically</a:t>
-            </a:r>
-          </a:p>
-          <a:p>
-            <a:pPr marL="742950" lvl="1" indent="-285750">
-              <a:buFont typeface="Symbol" panose="05050102010706020507" pitchFamily="18" charset="2"/>
-              <a:buChar char="·"/>
-            </a:pPr>
-            <a:r>
-              <a:rPr lang="en-US" dirty="0"/>
-              <a:t>Find the intersection point of the position-time graphs.  </a:t>
-            </a:r>
-          </a:p>
-          <a:p>
-            <a:pPr marL="285750" indent="-285750">
-              <a:buFont typeface="Symbol" panose="05050102010706020507" pitchFamily="18" charset="2"/>
-              <a:buChar char="·"/>
-            </a:pPr>
-            <a:endParaRPr lang="en-US" dirty="0"/>
-          </a:p>
-          <a:p>
-            <a:pPr marL="285750" indent="-285750">
-              <a:buFont typeface="Symbol" panose="05050102010706020507" pitchFamily="18" charset="2"/>
-              <a:buChar char="·"/>
-            </a:pPr>
-            <a:r>
-              <a:rPr lang="en-US" sz="2000" dirty="0"/>
-              <a:t>Solve the equations algebraically</a:t>
-            </a:r>
-          </a:p>
-          <a:p>
-            <a:pPr marL="742950" lvl="1" indent="-285750">
-              <a:buFont typeface="Symbol" panose="05050102010706020507" pitchFamily="18" charset="2"/>
-              <a:buChar char="·"/>
-            </a:pPr>
-            <a:r>
-              <a:rPr lang="en-US" dirty="0"/>
-              <a:t>Using elimination or substitution</a:t>
-            </a:r>
-            <a:endParaRPr lang="en-CA" dirty="0"/>
-          </a:p>
-        </p:txBody>
-      </p:sp>
-      <p:sp>
-        <p:nvSpPr>
-          <p:cNvPr id="5" name="Arc 4">
-            <a:extLst>
-              <a:ext uri="{FF2B5EF4-FFF2-40B4-BE49-F238E27FC236}">
-                <a16:creationId xmlns:a16="http://schemas.microsoft.com/office/drawing/2014/main" id="{CD01213F-CB7D-4159-8072-688E15ADC19C}"/>
-              </a:ext>
-            </a:extLst>
-          </p:cNvPr>
-          <p:cNvSpPr/>
-          <p:nvPr/>
-        </p:nvSpPr>
-        <p:spPr>
-          <a:xfrm rot="4976227">
-            <a:off x="4052532" y="2883178"/>
-            <a:ext cx="3142298" cy="3585818"/>
-          </a:xfrm>
-          <a:prstGeom prst="arc">
-            <a:avLst>
-              <a:gd name="adj1" fmla="val 16558431"/>
-              <a:gd name="adj2" fmla="val 21250973"/>
-            </a:avLst>
-          </a:prstGeom>
-          <a:ln w="28575">
-            <a:solidFill>
-              <a:srgbClr val="FF0000"/>
-            </a:solidFill>
-          </a:ln>
-        </p:spPr>
-        <p:style>
-          <a:lnRef idx="1">
-            <a:schemeClr val="accent1"/>
-          </a:lnRef>
-          <a:fillRef idx="0">
-            <a:schemeClr val="accent1"/>
-          </a:fillRef>
-          <a:effectRef idx="0">
-            <a:schemeClr val="accent1"/>
-          </a:effectRef>
-          <a:fontRef idx="minor">
-            <a:schemeClr val="tx1"/>
-          </a:fontRef>
-        </p:style>
-        <p:txBody>
-          <a:bodyPr rtlCol="0" anchor="ctr"/>
-          <a:lstStyle/>
-          <a:p>
-            <a:pPr algn="ctr"/>
-            <a:endParaRPr lang="en-US"/>
-          </a:p>
-        </p:txBody>
-      </p:sp>
-      <p:grpSp>
-        <p:nvGrpSpPr>
-          <p:cNvPr id="17" name="Group 16">
-            <a:extLst>
-              <a:ext uri="{FF2B5EF4-FFF2-40B4-BE49-F238E27FC236}">
-                <a16:creationId xmlns:a16="http://schemas.microsoft.com/office/drawing/2014/main" id="{895B3D42-BE24-4E1B-9C29-C4F10DFE406B}"/>
-              </a:ext>
-            </a:extLst>
-          </p:cNvPr>
-          <p:cNvGrpSpPr/>
-          <p:nvPr/>
-        </p:nvGrpSpPr>
-        <p:grpSpPr>
-          <a:xfrm>
-            <a:off x="5567992" y="4041068"/>
-            <a:ext cx="2555010" cy="2473355"/>
-            <a:chOff x="5567992" y="4041068"/>
-            <a:chExt cx="2555010" cy="2473355"/>
-          </a:xfrm>
-        </p:grpSpPr>
-        <p:grpSp>
-          <p:nvGrpSpPr>
-            <p:cNvPr id="4" name="Group 3">
-              <a:extLst>
-                <a:ext uri="{FF2B5EF4-FFF2-40B4-BE49-F238E27FC236}">
-                  <a16:creationId xmlns:a16="http://schemas.microsoft.com/office/drawing/2014/main" id="{CD00DFE3-64F3-4E94-A12A-540519EA9A38}"/>
-                </a:ext>
-              </a:extLst>
-            </p:cNvPr>
-            <p:cNvGrpSpPr/>
-            <p:nvPr/>
-          </p:nvGrpSpPr>
-          <p:grpSpPr>
-            <a:xfrm>
-              <a:off x="5832140" y="4041068"/>
-              <a:ext cx="2290862" cy="2223864"/>
-              <a:chOff x="5832140" y="4041068"/>
-              <a:chExt cx="2290862" cy="2223864"/>
-            </a:xfrm>
-          </p:grpSpPr>
-          <p:sp>
-            <p:nvSpPr>
-              <p:cNvPr id="2" name="Rectangle 1">
-                <a:extLst>
-                  <a:ext uri="{FF2B5EF4-FFF2-40B4-BE49-F238E27FC236}">
-                    <a16:creationId xmlns:a16="http://schemas.microsoft.com/office/drawing/2014/main" id="{AB8EA0E3-3D9C-4E29-9A1C-767E8021E27E}"/>
-                  </a:ext>
-                </a:extLst>
-              </p:cNvPr>
-              <p:cNvSpPr/>
-              <p:nvPr/>
-            </p:nvSpPr>
-            <p:spPr>
-              <a:xfrm>
-                <a:off x="5868144" y="4149080"/>
-                <a:ext cx="2088232" cy="2088232"/>
-              </a:xfrm>
-              <a:prstGeom prst="rect">
-                <a:avLst/>
-              </a:prstGeom>
-              <a:noFill/>
-            </p:spPr>
-            <p:style>
-              <a:lnRef idx="2">
-                <a:schemeClr val="accent1">
-                  <a:shade val="50000"/>
-                </a:schemeClr>
-              </a:lnRef>
-              <a:fillRef idx="1">
-                <a:schemeClr val="accent1"/>
-              </a:fillRef>
-              <a:effectRef idx="0">
-                <a:schemeClr val="accent1"/>
-              </a:effectRef>
-              <a:fontRef idx="minor">
-                <a:schemeClr val="lt1"/>
-              </a:fontRef>
-            </p:style>
-            <p:txBody>
-              <a:bodyPr rtlCol="0" anchor="ctr"/>
-              <a:lstStyle/>
-              <a:p>
-                <a:pPr algn="ctr"/>
-                <a:endParaRPr lang="en-US"/>
-              </a:p>
-            </p:txBody>
-          </p:sp>
-          <p:sp>
-            <p:nvSpPr>
-              <p:cNvPr id="3" name="Rectangle 2">
-                <a:extLst>
-                  <a:ext uri="{FF2B5EF4-FFF2-40B4-BE49-F238E27FC236}">
-                    <a16:creationId xmlns:a16="http://schemas.microsoft.com/office/drawing/2014/main" id="{4D0CEA44-F5CB-4CF5-8361-A388026E9B3D}"/>
-                  </a:ext>
-                </a:extLst>
-              </p:cNvPr>
-              <p:cNvSpPr/>
-              <p:nvPr/>
-            </p:nvSpPr>
-            <p:spPr>
-              <a:xfrm>
-                <a:off x="5832140" y="4041068"/>
-                <a:ext cx="2160240" cy="216024"/>
-              </a:xfrm>
-              <a:prstGeom prst="rect">
-                <a:avLst/>
-              </a:prstGeom>
-              <a:solidFill>
-                <a:schemeClr val="bg1"/>
-              </a:solidFill>
-              <a:ln>
-                <a:solidFill>
-                  <a:schemeClr val="bg1"/>
-                </a:solidFill>
-              </a:ln>
-            </p:spPr>
-            <p:style>
-              <a:lnRef idx="2">
-                <a:schemeClr val="accent1">
-                  <a:shade val="50000"/>
-                </a:schemeClr>
-              </a:lnRef>
-              <a:fillRef idx="1">
-                <a:schemeClr val="accent1"/>
-              </a:fillRef>
-              <a:effectRef idx="0">
-                <a:schemeClr val="accent1"/>
-              </a:effectRef>
-              <a:fontRef idx="minor">
-                <a:schemeClr val="lt1"/>
-              </a:fontRef>
-            </p:style>
-            <p:txBody>
-              <a:bodyPr rtlCol="0" anchor="ctr"/>
-              <a:lstStyle/>
-              <a:p>
-                <a:pPr algn="ctr"/>
-                <a:endParaRPr lang="en-US"/>
-              </a:p>
-            </p:txBody>
-          </p:sp>
-          <p:sp>
-            <p:nvSpPr>
-              <p:cNvPr id="7" name="Rectangle 6">
-                <a:extLst>
-                  <a:ext uri="{FF2B5EF4-FFF2-40B4-BE49-F238E27FC236}">
-                    <a16:creationId xmlns:a16="http://schemas.microsoft.com/office/drawing/2014/main" id="{DB5E38A7-46C7-40CB-9575-1CDDBCFB8A64}"/>
-                  </a:ext>
-                </a:extLst>
-              </p:cNvPr>
-              <p:cNvSpPr/>
-              <p:nvPr/>
-            </p:nvSpPr>
-            <p:spPr>
-              <a:xfrm>
-                <a:off x="7956375" y="4176700"/>
-                <a:ext cx="166627" cy="2088232"/>
-              </a:xfrm>
-              <a:prstGeom prst="rect">
-                <a:avLst/>
-              </a:prstGeom>
-              <a:solidFill>
-                <a:schemeClr val="bg1"/>
-              </a:solidFill>
-              <a:ln>
-                <a:solidFill>
-                  <a:schemeClr val="bg1"/>
-                </a:solidFill>
-              </a:ln>
-            </p:spPr>
-            <p:style>
-              <a:lnRef idx="2">
-                <a:schemeClr val="accent1">
-                  <a:shade val="50000"/>
-                </a:schemeClr>
-              </a:lnRef>
-              <a:fillRef idx="1">
-                <a:schemeClr val="accent1"/>
-              </a:fillRef>
-              <a:effectRef idx="0">
-                <a:schemeClr val="accent1"/>
-              </a:effectRef>
-              <a:fontRef idx="minor">
-                <a:schemeClr val="lt1"/>
-              </a:fontRef>
-            </p:style>
-            <p:txBody>
-              <a:bodyPr rtlCol="0" anchor="ctr"/>
-              <a:lstStyle/>
-              <a:p>
-                <a:pPr algn="ctr"/>
-                <a:endParaRPr lang="en-US"/>
-              </a:p>
-            </p:txBody>
-          </p:sp>
-        </p:grpSp>
-        <p:cxnSp>
-          <p:nvCxnSpPr>
-            <p:cNvPr id="10" name="Straight Connector 9">
-              <a:extLst>
-                <a:ext uri="{FF2B5EF4-FFF2-40B4-BE49-F238E27FC236}">
-                  <a16:creationId xmlns:a16="http://schemas.microsoft.com/office/drawing/2014/main" id="{69E46498-9C81-48E0-A08A-99BC8E57E000}"/>
-                </a:ext>
-              </a:extLst>
-            </p:cNvPr>
-            <p:cNvCxnSpPr>
-              <a:cxnSpLocks/>
-            </p:cNvCxnSpPr>
-            <p:nvPr/>
-          </p:nvCxnSpPr>
-          <p:spPr>
-            <a:xfrm flipV="1">
-              <a:off x="5868143" y="4797152"/>
-              <a:ext cx="1944217" cy="1224136"/>
-            </a:xfrm>
-            <a:prstGeom prst="line">
-              <a:avLst/>
-            </a:prstGeom>
-            <a:ln w="28575">
-              <a:solidFill>
-                <a:srgbClr val="0070C0"/>
-              </a:solidFill>
-            </a:ln>
-          </p:spPr>
-          <p:style>
-            <a:lnRef idx="1">
-              <a:schemeClr val="accent1"/>
-            </a:lnRef>
-            <a:fillRef idx="0">
-              <a:schemeClr val="accent1"/>
-            </a:fillRef>
-            <a:effectRef idx="0">
-              <a:schemeClr val="accent1"/>
-            </a:effectRef>
-            <a:fontRef idx="minor">
-              <a:schemeClr val="tx1"/>
-            </a:fontRef>
-          </p:style>
-        </p:cxnSp>
-        <p:sp>
-          <p:nvSpPr>
-            <p:cNvPr id="13" name="TextBox 12">
-              <a:extLst>
-                <a:ext uri="{FF2B5EF4-FFF2-40B4-BE49-F238E27FC236}">
-                  <a16:creationId xmlns:a16="http://schemas.microsoft.com/office/drawing/2014/main" id="{00619D99-155A-4386-AAA4-26B12DE14A83}"/>
-                </a:ext>
-              </a:extLst>
-            </p:cNvPr>
-            <p:cNvSpPr txBox="1"/>
-            <p:nvPr/>
-          </p:nvSpPr>
-          <p:spPr>
-            <a:xfrm>
-              <a:off x="7398437" y="5008530"/>
-              <a:ext cx="513282" cy="369332"/>
-            </a:xfrm>
-            <a:prstGeom prst="rect">
-              <a:avLst/>
-            </a:prstGeom>
-            <a:noFill/>
-          </p:spPr>
-          <p:txBody>
-            <a:bodyPr wrap="none" rtlCol="0">
-              <a:spAutoFit/>
-            </a:bodyPr>
-            <a:lstStyle/>
-            <a:p>
-              <a:r>
-                <a:rPr lang="en-US" dirty="0"/>
-                <a:t>POI</a:t>
-              </a:r>
-            </a:p>
-          </p:txBody>
-        </p:sp>
-        <p:sp>
-          <p:nvSpPr>
-            <p:cNvPr id="14" name="TextBox 13">
-              <a:extLst>
-                <a:ext uri="{FF2B5EF4-FFF2-40B4-BE49-F238E27FC236}">
-                  <a16:creationId xmlns:a16="http://schemas.microsoft.com/office/drawing/2014/main" id="{E4751A58-E0DA-4E3A-B7BB-7C6D253F9B87}"/>
-                </a:ext>
-              </a:extLst>
-            </p:cNvPr>
-            <p:cNvSpPr txBox="1"/>
-            <p:nvPr/>
-          </p:nvSpPr>
-          <p:spPr>
-            <a:xfrm>
-              <a:off x="6639869" y="6206646"/>
-              <a:ext cx="546945" cy="307777"/>
-            </a:xfrm>
-            <a:prstGeom prst="rect">
-              <a:avLst/>
-            </a:prstGeom>
-            <a:noFill/>
-          </p:spPr>
-          <p:txBody>
-            <a:bodyPr wrap="none" rtlCol="0">
-              <a:spAutoFit/>
-            </a:bodyPr>
-            <a:lstStyle/>
-            <a:p>
-              <a:r>
-                <a:rPr lang="en-US" sz="1400" dirty="0"/>
-                <a:t>Time</a:t>
-              </a:r>
-            </a:p>
-          </p:txBody>
-        </p:sp>
-        <p:sp>
-          <p:nvSpPr>
-            <p:cNvPr id="15" name="TextBox 14">
-              <a:extLst>
-                <a:ext uri="{FF2B5EF4-FFF2-40B4-BE49-F238E27FC236}">
-                  <a16:creationId xmlns:a16="http://schemas.microsoft.com/office/drawing/2014/main" id="{BB005679-009A-41C7-A74C-ED7E264B8F16}"/>
-                </a:ext>
-              </a:extLst>
-            </p:cNvPr>
-            <p:cNvSpPr txBox="1"/>
-            <p:nvPr/>
-          </p:nvSpPr>
-          <p:spPr>
-            <a:xfrm>
-              <a:off x="5567992" y="4312875"/>
-              <a:ext cx="240100" cy="1815882"/>
-            </a:xfrm>
-            <a:prstGeom prst="rect">
-              <a:avLst/>
-            </a:prstGeom>
-            <a:noFill/>
-          </p:spPr>
-          <p:txBody>
-            <a:bodyPr wrap="square" rtlCol="0">
-              <a:spAutoFit/>
-            </a:bodyPr>
-            <a:lstStyle/>
-            <a:p>
-              <a:r>
-                <a:rPr lang="en-US" sz="1400" dirty="0"/>
-                <a:t>Position</a:t>
-              </a:r>
-            </a:p>
-          </p:txBody>
-        </p:sp>
-      </p:grpSp>
-      <p:sp>
-        <p:nvSpPr>
-          <p:cNvPr id="16" name="TextBox 15">
-            <a:extLst>
-              <a:ext uri="{FF2B5EF4-FFF2-40B4-BE49-F238E27FC236}">
-                <a16:creationId xmlns:a16="http://schemas.microsoft.com/office/drawing/2014/main" id="{3756DC1C-124B-4296-9597-D3897DC2A3FE}"/>
-              </a:ext>
-            </a:extLst>
-          </p:cNvPr>
-          <p:cNvSpPr txBox="1"/>
-          <p:nvPr/>
-        </p:nvSpPr>
-        <p:spPr>
-          <a:xfrm>
-            <a:off x="1205060" y="4701265"/>
-            <a:ext cx="1662635" cy="1569660"/>
-          </a:xfrm>
-          <a:prstGeom prst="rect">
-            <a:avLst/>
-          </a:prstGeom>
-          <a:noFill/>
-        </p:spPr>
-        <p:txBody>
-          <a:bodyPr wrap="none" rtlCol="0">
-            <a:spAutoFit/>
-          </a:bodyPr>
-          <a:lstStyle/>
-          <a:p>
-            <a:r>
-              <a:rPr lang="en-US" sz="2400" dirty="0">
-                <a:solidFill>
-                  <a:srgbClr val="0070C0"/>
-                </a:solidFill>
-              </a:rPr>
-              <a:t>5x + 3y = 11</a:t>
-            </a:r>
-          </a:p>
-          <a:p>
-            <a:r>
-              <a:rPr lang="en-US" sz="2400" dirty="0">
-                <a:solidFill>
-                  <a:srgbClr val="0070C0"/>
-                </a:solidFill>
-              </a:rPr>
-              <a:t>2x – 3y = 3</a:t>
-            </a:r>
-          </a:p>
-          <a:p>
-            <a:r>
-              <a:rPr lang="en-US" sz="2400" dirty="0">
-                <a:solidFill>
-                  <a:srgbClr val="0070C0"/>
-                </a:solidFill>
-              </a:rPr>
-              <a:t>7x         = 14</a:t>
-            </a:r>
-          </a:p>
-          <a:p>
-            <a:r>
-              <a:rPr lang="en-US" sz="2400" dirty="0">
-                <a:solidFill>
-                  <a:srgbClr val="0070C0"/>
-                </a:solidFill>
-              </a:rPr>
-              <a:t>  x         =  2</a:t>
-            </a:r>
-          </a:p>
-        </p:txBody>
-      </p:sp>
-      <p:cxnSp>
-        <p:nvCxnSpPr>
-          <p:cNvPr id="19" name="Straight Connector 18">
-            <a:extLst>
-              <a:ext uri="{FF2B5EF4-FFF2-40B4-BE49-F238E27FC236}">
-                <a16:creationId xmlns:a16="http://schemas.microsoft.com/office/drawing/2014/main" id="{732B03F3-16F3-444E-9973-791336F70266}"/>
-              </a:ext>
-            </a:extLst>
-          </p:cNvPr>
-          <p:cNvCxnSpPr>
-            <a:stCxn id="16" idx="1"/>
-            <a:endCxn id="16" idx="3"/>
-          </p:cNvCxnSpPr>
-          <p:nvPr/>
-        </p:nvCxnSpPr>
-        <p:spPr>
-          <a:xfrm>
-            <a:off x="1205060" y="5486095"/>
-            <a:ext cx="1662635" cy="0"/>
-          </a:xfrm>
-          <a:prstGeom prst="line">
-            <a:avLst/>
-          </a:prstGeom>
-          <a:ln w="38100">
-            <a:solidFill>
-              <a:srgbClr val="0070C0"/>
-            </a:solidFill>
-          </a:ln>
-        </p:spPr>
-        <p:style>
-          <a:lnRef idx="1">
-            <a:schemeClr val="accent1"/>
-          </a:lnRef>
-          <a:fillRef idx="0">
-            <a:schemeClr val="accent1"/>
-          </a:fillRef>
-          <a:effectRef idx="0">
-            <a:schemeClr val="accent1"/>
-          </a:effectRef>
-          <a:fontRef idx="minor">
-            <a:schemeClr val="tx1"/>
-          </a:fontRef>
-        </p:style>
-      </p:cxnSp>
-    </p:spTree>
-    <p:extLst>
-      <p:ext uri="{BB962C8B-B14F-4D97-AF65-F5344CB8AC3E}">
-        <p14:creationId xmlns:p14="http://schemas.microsoft.com/office/powerpoint/2010/main" val="1804767061"/>
-      </p:ext>
-    </p:extLst>
-  </p:cSld>
-  <p:clrMapOvr>
-    <a:masterClrMapping/>
-  </p:clrMapOvr>
-</p:sld>
-</file>
-
-<file path=ppt/slides/slide3.xml><?xml version="1.0" encoding="utf-8"?>
-<p:sld xmlns:a="http://schemas.openxmlformats.org/drawingml/2006/main" xmlns:r="http://schemas.openxmlformats.org/officeDocument/2006/relationships" xmlns:p="http://schemas.openxmlformats.org/presentationml/2006/main">
-  <p:cSld>
-    <p:spTree>
-      <p:nvGrpSpPr>
-        <p:cNvPr id="1" name=""/>
-        <p:cNvGrpSpPr/>
-        <p:nvPr/>
-      </p:nvGrpSpPr>
-      <p:grpSpPr>
-        <a:xfrm>
-          <a:off x="0" y="0"/>
-          <a:ext cx="0" cy="0"/>
-          <a:chOff x="0" y="0"/>
-          <a:chExt cx="0" cy="0"/>
-        </a:xfrm>
-      </p:grpSpPr>
       <p:sp>
         <p:nvSpPr>
           <p:cNvPr id="2" name="Title 1"/>
@@ -4539,6 +3630,922 @@
 </p:sld>
 </file>
 
+<file path=ppt/slides/slide2.xml><?xml version="1.0" encoding="utf-8"?>
+<p:sld xmlns:a="http://schemas.openxmlformats.org/drawingml/2006/main" xmlns:r="http://schemas.openxmlformats.org/officeDocument/2006/relationships" xmlns:p="http://schemas.openxmlformats.org/presentationml/2006/main">
+  <p:cSld>
+    <p:spTree>
+      <p:nvGrpSpPr>
+        <p:cNvPr id="1" name=""/>
+        <p:cNvGrpSpPr/>
+        <p:nvPr/>
+      </p:nvGrpSpPr>
+      <p:grpSpPr>
+        <a:xfrm>
+          <a:off x="0" y="0"/>
+          <a:ext cx="0" cy="0"/>
+          <a:chOff x="0" y="0"/>
+          <a:chExt cx="0" cy="0"/>
+        </a:xfrm>
+      </p:grpSpPr>
+      <p:pic>
+        <p:nvPicPr>
+          <p:cNvPr id="1026" name="Picture 2"/>
+          <p:cNvPicPr>
+            <a:picLocks noChangeAspect="1" noChangeArrowheads="1"/>
+          </p:cNvPicPr>
+          <p:nvPr/>
+        </p:nvPicPr>
+        <p:blipFill>
+          <a:blip r:embed="rId2">
+            <a:extLst>
+              <a:ext uri="{28A0092B-C50C-407E-A947-70E740481C1C}">
+                <a14:useLocalDpi xmlns:a14="http://schemas.microsoft.com/office/drawing/2010/main" val="0"/>
+              </a:ext>
+            </a:extLst>
+          </a:blip>
+          <a:srcRect/>
+          <a:stretch>
+            <a:fillRect/>
+          </a:stretch>
+        </p:blipFill>
+        <p:spPr bwMode="auto">
+          <a:xfrm>
+            <a:off x="2195736" y="2852936"/>
+            <a:ext cx="3888432" cy="3888432"/>
+          </a:xfrm>
+          <a:prstGeom prst="rect">
+            <a:avLst/>
+          </a:prstGeom>
+          <a:noFill/>
+          <a:ln>
+            <a:noFill/>
+          </a:ln>
+          <a:effectLst/>
+          <a:extLst>
+            <a:ext uri="{909E8E84-426E-40DD-AFC4-6F175D3DCCD1}">
+              <a14:hiddenFill xmlns:a14="http://schemas.microsoft.com/office/drawing/2010/main">
+                <a:solidFill>
+                  <a:schemeClr val="accent1"/>
+                </a:solidFill>
+              </a14:hiddenFill>
+            </a:ext>
+            <a:ext uri="{91240B29-F687-4F45-9708-019B960494DF}">
+              <a14:hiddenLine xmlns:a14="http://schemas.microsoft.com/office/drawing/2010/main" w="9525">
+                <a:solidFill>
+                  <a:schemeClr val="tx1"/>
+                </a:solidFill>
+                <a:miter lim="800000"/>
+                <a:headEnd/>
+                <a:tailEnd/>
+              </a14:hiddenLine>
+            </a:ext>
+            <a:ext uri="{AF507438-7753-43E0-B8FC-AC1667EBCBE1}">
+              <a14:hiddenEffects xmlns:a14="http://schemas.microsoft.com/office/drawing/2010/main">
+                <a:effectLst>
+                  <a:outerShdw dist="35921" dir="2700000" algn="ctr" rotWithShape="0">
+                    <a:schemeClr val="bg2"/>
+                  </a:outerShdw>
+                </a:effectLst>
+              </a14:hiddenEffects>
+            </a:ext>
+          </a:extLst>
+        </p:spPr>
+      </p:pic>
+      <p:sp>
+        <p:nvSpPr>
+          <p:cNvPr id="2" name="Title 1"/>
+          <p:cNvSpPr>
+            <a:spLocks noGrp="1"/>
+          </p:cNvSpPr>
+          <p:nvPr>
+            <p:ph type="ctrTitle"/>
+          </p:nvPr>
+        </p:nvSpPr>
+        <p:spPr>
+          <a:xfrm>
+            <a:off x="251520" y="-171400"/>
+            <a:ext cx="8276456" cy="1470025"/>
+          </a:xfrm>
+        </p:spPr>
+        <p:txBody>
+          <a:bodyPr/>
+          <a:lstStyle/>
+          <a:p>
+            <a:r>
+              <a:rPr lang="en-CA" b="1" i="1" dirty="0">
+                <a:solidFill>
+                  <a:srgbClr val="FF0000"/>
+                </a:solidFill>
+              </a:rPr>
+              <a:t>Chase Problems</a:t>
+            </a:r>
+          </a:p>
+        </p:txBody>
+      </p:sp>
+      <p:sp>
+        <p:nvSpPr>
+          <p:cNvPr id="3" name="Subtitle 2"/>
+          <p:cNvSpPr>
+            <a:spLocks noGrp="1"/>
+          </p:cNvSpPr>
+          <p:nvPr>
+            <p:ph type="subTitle" idx="1"/>
+          </p:nvPr>
+        </p:nvSpPr>
+        <p:spPr>
+          <a:xfrm>
+            <a:off x="395536" y="908720"/>
+            <a:ext cx="8462174" cy="2185429"/>
+          </a:xfrm>
+        </p:spPr>
+        <p:txBody>
+          <a:bodyPr>
+            <a:normAutofit fontScale="92500"/>
+          </a:bodyPr>
+          <a:lstStyle/>
+          <a:p>
+            <a:pPr algn="l">
+              <a:buFont typeface="Symbol" pitchFamily="18" charset="2"/>
+              <a:buChar char="·"/>
+            </a:pPr>
+            <a:r>
+              <a:rPr lang="en-US" sz="2600" b="1" dirty="0">
+                <a:solidFill>
+                  <a:schemeClr val="tx1"/>
+                </a:solidFill>
+              </a:rPr>
+              <a:t> Involve objects either approaching or chasing each other </a:t>
+            </a:r>
+          </a:p>
+          <a:p>
+            <a:pPr algn="l"/>
+            <a:r>
+              <a:rPr lang="en-US" sz="2600" b="1" dirty="0">
+                <a:solidFill>
+                  <a:schemeClr val="tx1"/>
+                </a:solidFill>
+              </a:rPr>
+              <a:t>     E.g.   A police car chasing a speeding car.</a:t>
+            </a:r>
+          </a:p>
+          <a:p>
+            <a:pPr algn="l"/>
+            <a:r>
+              <a:rPr lang="en-US" sz="2600" b="1" dirty="0">
+                <a:solidFill>
+                  <a:schemeClr val="tx1"/>
+                </a:solidFill>
+              </a:rPr>
+              <a:t>	  A passenger chasing a departing train</a:t>
+            </a:r>
+          </a:p>
+          <a:p>
+            <a:pPr algn="l"/>
+            <a:r>
+              <a:rPr lang="en-US" sz="2600" b="1" dirty="0">
+                <a:solidFill>
+                  <a:schemeClr val="tx1"/>
+                </a:solidFill>
+              </a:rPr>
+              <a:t>	  Two trains heading towards each other on a single track</a:t>
+            </a:r>
+            <a:r>
+              <a:rPr lang="en-US" b="1" dirty="0">
+                <a:solidFill>
+                  <a:schemeClr val="tx1"/>
+                </a:solidFill>
+              </a:rPr>
+              <a:t> </a:t>
+            </a:r>
+          </a:p>
+          <a:p>
+            <a:pPr algn="l"/>
+            <a:endParaRPr lang="en-US" b="1" dirty="0">
+              <a:solidFill>
+                <a:schemeClr val="tx1"/>
+              </a:solidFill>
+            </a:endParaRPr>
+          </a:p>
+          <a:p>
+            <a:endParaRPr lang="en-CA" dirty="0"/>
+          </a:p>
+        </p:txBody>
+      </p:sp>
+    </p:spTree>
+  </p:cSld>
+  <p:clrMapOvr>
+    <a:masterClrMapping/>
+  </p:clrMapOvr>
+</p:sld>
+</file>
+
+<file path=ppt/slides/slide3.xml><?xml version="1.0" encoding="utf-8"?>
+<p:sld xmlns:a="http://schemas.openxmlformats.org/drawingml/2006/main" xmlns:r="http://schemas.openxmlformats.org/officeDocument/2006/relationships" xmlns:p="http://schemas.openxmlformats.org/presentationml/2006/main">
+  <p:cSld>
+    <p:spTree>
+      <p:nvGrpSpPr>
+        <p:cNvPr id="1" name=""/>
+        <p:cNvGrpSpPr/>
+        <p:nvPr/>
+      </p:nvGrpSpPr>
+      <p:grpSpPr>
+        <a:xfrm>
+          <a:off x="0" y="0"/>
+          <a:ext cx="0" cy="0"/>
+          <a:chOff x="0" y="0"/>
+          <a:chExt cx="0" cy="0"/>
+        </a:xfrm>
+      </p:grpSpPr>
+      <p:sp>
+        <p:nvSpPr>
+          <p:cNvPr id="6" name="Rectangle 5"/>
+          <p:cNvSpPr/>
+          <p:nvPr/>
+        </p:nvSpPr>
+        <p:spPr>
+          <a:xfrm>
+            <a:off x="500002" y="188640"/>
+            <a:ext cx="8643998" cy="4308872"/>
+          </a:xfrm>
+          <a:prstGeom prst="rect">
+            <a:avLst/>
+          </a:prstGeom>
+        </p:spPr>
+        <p:txBody>
+          <a:bodyPr wrap="square">
+            <a:spAutoFit/>
+          </a:bodyPr>
+          <a:lstStyle/>
+          <a:p>
+            <a:r>
+              <a:rPr lang="en-US" sz="3200" b="1" dirty="0">
+                <a:sym typeface="Symbol"/>
+              </a:rPr>
+              <a:t>Key Concepts:</a:t>
+            </a:r>
+          </a:p>
+          <a:p>
+            <a:pPr marL="285750" indent="-285750">
+              <a:buFont typeface="Symbol" panose="05050102010706020507" pitchFamily="18" charset="2"/>
+              <a:buChar char="·"/>
+            </a:pPr>
+            <a:endParaRPr lang="en-US" dirty="0">
+              <a:sym typeface="Symbol"/>
+            </a:endParaRPr>
+          </a:p>
+          <a:p>
+            <a:pPr marL="285750" indent="-285750">
+              <a:buFont typeface="Symbol" panose="05050102010706020507" pitchFamily="18" charset="2"/>
+              <a:buChar char="·"/>
+            </a:pPr>
+            <a:r>
+              <a:rPr lang="en-US" sz="2000" dirty="0">
+                <a:sym typeface="Symbol"/>
+              </a:rPr>
+              <a:t>Two objects will be in motion</a:t>
+            </a:r>
+          </a:p>
+          <a:p>
+            <a:pPr marL="742950" lvl="1" indent="-285750">
+              <a:buFont typeface="Symbol" panose="05050102010706020507" pitchFamily="18" charset="2"/>
+              <a:buChar char="·"/>
+            </a:pPr>
+            <a:r>
+              <a:rPr lang="en-US" dirty="0">
+                <a:sym typeface="Symbol"/>
+              </a:rPr>
+              <a:t>Either motion may be uniform or accelerated</a:t>
+            </a:r>
+            <a:r>
+              <a:rPr lang="en-US" dirty="0"/>
+              <a:t>. </a:t>
+            </a:r>
+            <a:endParaRPr lang="en-US" sz="800" dirty="0"/>
+          </a:p>
+          <a:p>
+            <a:pPr marL="742950" lvl="1" indent="-285750">
+              <a:buFont typeface="Symbol" panose="05050102010706020507" pitchFamily="18" charset="2"/>
+              <a:buChar char="·"/>
+            </a:pPr>
+            <a:r>
+              <a:rPr lang="en-US" dirty="0"/>
+              <a:t>The objects may be initially separated by a “gap” in distance.  </a:t>
+            </a:r>
+          </a:p>
+          <a:p>
+            <a:pPr marL="742950" lvl="1" indent="-285750">
+              <a:buFont typeface="Symbol" panose="05050102010706020507" pitchFamily="18" charset="2"/>
+              <a:buChar char="·"/>
+            </a:pPr>
+            <a:endParaRPr lang="en-US" dirty="0"/>
+          </a:p>
+          <a:p>
+            <a:pPr marL="285750" indent="-285750">
+              <a:buFont typeface="Symbol" panose="05050102010706020507" pitchFamily="18" charset="2"/>
+              <a:buChar char="·"/>
+            </a:pPr>
+            <a:r>
+              <a:rPr lang="en-US" sz="2000" dirty="0"/>
+              <a:t>The Starting Point is Two Equations with Two Unknowns</a:t>
+            </a:r>
+          </a:p>
+          <a:p>
+            <a:pPr marL="742950" lvl="1" indent="-285750">
+              <a:buFont typeface="Symbol" panose="05050102010706020507" pitchFamily="18" charset="2"/>
+              <a:buChar char="·"/>
+            </a:pPr>
+            <a:r>
+              <a:rPr lang="en-US" dirty="0"/>
+              <a:t>Find the POI (Point of Intersection) using Grade 10 Math</a:t>
+            </a:r>
+          </a:p>
+          <a:p>
+            <a:pPr marL="742950" lvl="1" indent="-285750">
+              <a:buFont typeface="Symbol" panose="05050102010706020507" pitchFamily="18" charset="2"/>
+              <a:buChar char="·"/>
+            </a:pPr>
+            <a:endParaRPr lang="en-US" dirty="0"/>
+          </a:p>
+          <a:p>
+            <a:pPr marL="285750" indent="-285750">
+              <a:buFont typeface="Symbol" panose="05050102010706020507" pitchFamily="18" charset="2"/>
+              <a:buChar char="·"/>
+            </a:pPr>
+            <a:r>
+              <a:rPr lang="en-US" sz="2000" dirty="0"/>
+              <a:t>Solve the chase equations graphically</a:t>
+            </a:r>
+          </a:p>
+          <a:p>
+            <a:pPr marL="742950" lvl="1" indent="-285750">
+              <a:buFont typeface="Symbol" panose="05050102010706020507" pitchFamily="18" charset="2"/>
+              <a:buChar char="·"/>
+            </a:pPr>
+            <a:r>
+              <a:rPr lang="en-US" dirty="0"/>
+              <a:t>Find the intersection point of the position-time graphs.  </a:t>
+            </a:r>
+          </a:p>
+          <a:p>
+            <a:pPr marL="285750" indent="-285750">
+              <a:buFont typeface="Symbol" panose="05050102010706020507" pitchFamily="18" charset="2"/>
+              <a:buChar char="·"/>
+            </a:pPr>
+            <a:endParaRPr lang="en-US" dirty="0"/>
+          </a:p>
+          <a:p>
+            <a:pPr marL="285750" indent="-285750">
+              <a:buFont typeface="Symbol" panose="05050102010706020507" pitchFamily="18" charset="2"/>
+              <a:buChar char="·"/>
+            </a:pPr>
+            <a:r>
+              <a:rPr lang="en-US" sz="2000" dirty="0"/>
+              <a:t>Solve the equations algebraically</a:t>
+            </a:r>
+          </a:p>
+          <a:p>
+            <a:pPr marL="742950" lvl="1" indent="-285750">
+              <a:buFont typeface="Symbol" panose="05050102010706020507" pitchFamily="18" charset="2"/>
+              <a:buChar char="·"/>
+            </a:pPr>
+            <a:r>
+              <a:rPr lang="en-US" dirty="0"/>
+              <a:t>Using elimination or substitution</a:t>
+            </a:r>
+            <a:endParaRPr lang="en-CA" dirty="0"/>
+          </a:p>
+        </p:txBody>
+      </p:sp>
+      <p:sp>
+        <p:nvSpPr>
+          <p:cNvPr id="5" name="Arc 4">
+            <a:extLst>
+              <a:ext uri="{FF2B5EF4-FFF2-40B4-BE49-F238E27FC236}">
+                <a16:creationId xmlns:a16="http://schemas.microsoft.com/office/drawing/2014/main" xmlns="" id="{CD01213F-CB7D-4159-8072-688E15ADC19C}"/>
+              </a:ext>
+            </a:extLst>
+          </p:cNvPr>
+          <p:cNvSpPr/>
+          <p:nvPr/>
+        </p:nvSpPr>
+        <p:spPr>
+          <a:xfrm rot="4976227">
+            <a:off x="4052532" y="2883178"/>
+            <a:ext cx="3142298" cy="3585818"/>
+          </a:xfrm>
+          <a:prstGeom prst="arc">
+            <a:avLst>
+              <a:gd name="adj1" fmla="val 16558431"/>
+              <a:gd name="adj2" fmla="val 21250973"/>
+            </a:avLst>
+          </a:prstGeom>
+          <a:ln w="28575">
+            <a:solidFill>
+              <a:srgbClr val="FF0000"/>
+            </a:solidFill>
+          </a:ln>
+        </p:spPr>
+        <p:style>
+          <a:lnRef idx="1">
+            <a:schemeClr val="accent1"/>
+          </a:lnRef>
+          <a:fillRef idx="0">
+            <a:schemeClr val="accent1"/>
+          </a:fillRef>
+          <a:effectRef idx="0">
+            <a:schemeClr val="accent1"/>
+          </a:effectRef>
+          <a:fontRef idx="minor">
+            <a:schemeClr val="tx1"/>
+          </a:fontRef>
+        </p:style>
+        <p:txBody>
+          <a:bodyPr rtlCol="0" anchor="ctr"/>
+          <a:lstStyle/>
+          <a:p>
+            <a:pPr algn="ctr"/>
+            <a:endParaRPr lang="en-US"/>
+          </a:p>
+        </p:txBody>
+      </p:sp>
+      <p:grpSp>
+        <p:nvGrpSpPr>
+          <p:cNvPr id="17" name="Group 16">
+            <a:extLst>
+              <a:ext uri="{FF2B5EF4-FFF2-40B4-BE49-F238E27FC236}">
+                <a16:creationId xmlns:a16="http://schemas.microsoft.com/office/drawing/2014/main" xmlns="" id="{895B3D42-BE24-4E1B-9C29-C4F10DFE406B}"/>
+              </a:ext>
+            </a:extLst>
+          </p:cNvPr>
+          <p:cNvGrpSpPr/>
+          <p:nvPr/>
+        </p:nvGrpSpPr>
+        <p:grpSpPr>
+          <a:xfrm>
+            <a:off x="5567992" y="4041068"/>
+            <a:ext cx="2555010" cy="2473355"/>
+            <a:chOff x="5567992" y="4041068"/>
+            <a:chExt cx="2555010" cy="2473355"/>
+          </a:xfrm>
+        </p:grpSpPr>
+        <p:grpSp>
+          <p:nvGrpSpPr>
+            <p:cNvPr id="4" name="Group 3">
+              <a:extLst>
+                <a:ext uri="{FF2B5EF4-FFF2-40B4-BE49-F238E27FC236}">
+                  <a16:creationId xmlns:a16="http://schemas.microsoft.com/office/drawing/2014/main" xmlns="" id="{CD00DFE3-64F3-4E94-A12A-540519EA9A38}"/>
+                </a:ext>
+              </a:extLst>
+            </p:cNvPr>
+            <p:cNvGrpSpPr/>
+            <p:nvPr/>
+          </p:nvGrpSpPr>
+          <p:grpSpPr>
+            <a:xfrm>
+              <a:off x="5832140" y="4041068"/>
+              <a:ext cx="2290862" cy="2223864"/>
+              <a:chOff x="5832140" y="4041068"/>
+              <a:chExt cx="2290862" cy="2223864"/>
+            </a:xfrm>
+          </p:grpSpPr>
+          <p:sp>
+            <p:nvSpPr>
+              <p:cNvPr id="2" name="Rectangle 1">
+                <a:extLst>
+                  <a:ext uri="{FF2B5EF4-FFF2-40B4-BE49-F238E27FC236}">
+                    <a16:creationId xmlns:a16="http://schemas.microsoft.com/office/drawing/2014/main" xmlns="" id="{AB8EA0E3-3D9C-4E29-9A1C-767E8021E27E}"/>
+                  </a:ext>
+                </a:extLst>
+              </p:cNvPr>
+              <p:cNvSpPr/>
+              <p:nvPr/>
+            </p:nvSpPr>
+            <p:spPr>
+              <a:xfrm>
+                <a:off x="5868144" y="4149080"/>
+                <a:ext cx="2088232" cy="2088232"/>
+              </a:xfrm>
+              <a:prstGeom prst="rect">
+                <a:avLst/>
+              </a:prstGeom>
+              <a:noFill/>
+            </p:spPr>
+            <p:style>
+              <a:lnRef idx="2">
+                <a:schemeClr val="accent1">
+                  <a:shade val="50000"/>
+                </a:schemeClr>
+              </a:lnRef>
+              <a:fillRef idx="1">
+                <a:schemeClr val="accent1"/>
+              </a:fillRef>
+              <a:effectRef idx="0">
+                <a:schemeClr val="accent1"/>
+              </a:effectRef>
+              <a:fontRef idx="minor">
+                <a:schemeClr val="lt1"/>
+              </a:fontRef>
+            </p:style>
+            <p:txBody>
+              <a:bodyPr rtlCol="0" anchor="ctr"/>
+              <a:lstStyle/>
+              <a:p>
+                <a:pPr algn="ctr"/>
+                <a:endParaRPr lang="en-US"/>
+              </a:p>
+            </p:txBody>
+          </p:sp>
+          <p:sp>
+            <p:nvSpPr>
+              <p:cNvPr id="3" name="Rectangle 2">
+                <a:extLst>
+                  <a:ext uri="{FF2B5EF4-FFF2-40B4-BE49-F238E27FC236}">
+                    <a16:creationId xmlns:a16="http://schemas.microsoft.com/office/drawing/2014/main" xmlns="" id="{4D0CEA44-F5CB-4CF5-8361-A388026E9B3D}"/>
+                  </a:ext>
+                </a:extLst>
+              </p:cNvPr>
+              <p:cNvSpPr/>
+              <p:nvPr/>
+            </p:nvSpPr>
+            <p:spPr>
+              <a:xfrm>
+                <a:off x="5832140" y="4041068"/>
+                <a:ext cx="2160240" cy="216024"/>
+              </a:xfrm>
+              <a:prstGeom prst="rect">
+                <a:avLst/>
+              </a:prstGeom>
+              <a:solidFill>
+                <a:schemeClr val="bg1"/>
+              </a:solidFill>
+              <a:ln>
+                <a:solidFill>
+                  <a:schemeClr val="bg1"/>
+                </a:solidFill>
+              </a:ln>
+            </p:spPr>
+            <p:style>
+              <a:lnRef idx="2">
+                <a:schemeClr val="accent1">
+                  <a:shade val="50000"/>
+                </a:schemeClr>
+              </a:lnRef>
+              <a:fillRef idx="1">
+                <a:schemeClr val="accent1"/>
+              </a:fillRef>
+              <a:effectRef idx="0">
+                <a:schemeClr val="accent1"/>
+              </a:effectRef>
+              <a:fontRef idx="minor">
+                <a:schemeClr val="lt1"/>
+              </a:fontRef>
+            </p:style>
+            <p:txBody>
+              <a:bodyPr rtlCol="0" anchor="ctr"/>
+              <a:lstStyle/>
+              <a:p>
+                <a:pPr algn="ctr"/>
+                <a:endParaRPr lang="en-US"/>
+              </a:p>
+            </p:txBody>
+          </p:sp>
+          <p:sp>
+            <p:nvSpPr>
+              <p:cNvPr id="7" name="Rectangle 6">
+                <a:extLst>
+                  <a:ext uri="{FF2B5EF4-FFF2-40B4-BE49-F238E27FC236}">
+                    <a16:creationId xmlns:a16="http://schemas.microsoft.com/office/drawing/2014/main" xmlns="" id="{DB5E38A7-46C7-40CB-9575-1CDDBCFB8A64}"/>
+                  </a:ext>
+                </a:extLst>
+              </p:cNvPr>
+              <p:cNvSpPr/>
+              <p:nvPr/>
+            </p:nvSpPr>
+            <p:spPr>
+              <a:xfrm>
+                <a:off x="7956375" y="4176700"/>
+                <a:ext cx="166627" cy="2088232"/>
+              </a:xfrm>
+              <a:prstGeom prst="rect">
+                <a:avLst/>
+              </a:prstGeom>
+              <a:solidFill>
+                <a:schemeClr val="bg1"/>
+              </a:solidFill>
+              <a:ln>
+                <a:solidFill>
+                  <a:schemeClr val="bg1"/>
+                </a:solidFill>
+              </a:ln>
+            </p:spPr>
+            <p:style>
+              <a:lnRef idx="2">
+                <a:schemeClr val="accent1">
+                  <a:shade val="50000"/>
+                </a:schemeClr>
+              </a:lnRef>
+              <a:fillRef idx="1">
+                <a:schemeClr val="accent1"/>
+              </a:fillRef>
+              <a:effectRef idx="0">
+                <a:schemeClr val="accent1"/>
+              </a:effectRef>
+              <a:fontRef idx="minor">
+                <a:schemeClr val="lt1"/>
+              </a:fontRef>
+            </p:style>
+            <p:txBody>
+              <a:bodyPr rtlCol="0" anchor="ctr"/>
+              <a:lstStyle/>
+              <a:p>
+                <a:pPr algn="ctr"/>
+                <a:endParaRPr lang="en-US"/>
+              </a:p>
+            </p:txBody>
+          </p:sp>
+        </p:grpSp>
+        <p:cxnSp>
+          <p:nvCxnSpPr>
+            <p:cNvPr id="10" name="Straight Connector 9">
+              <a:extLst>
+                <a:ext uri="{FF2B5EF4-FFF2-40B4-BE49-F238E27FC236}">
+                  <a16:creationId xmlns:a16="http://schemas.microsoft.com/office/drawing/2014/main" xmlns="" id="{69E46498-9C81-48E0-A08A-99BC8E57E000}"/>
+                </a:ext>
+              </a:extLst>
+            </p:cNvPr>
+            <p:cNvCxnSpPr>
+              <a:cxnSpLocks/>
+            </p:cNvCxnSpPr>
+            <p:nvPr/>
+          </p:nvCxnSpPr>
+          <p:spPr>
+            <a:xfrm flipV="1">
+              <a:off x="5868143" y="4797152"/>
+              <a:ext cx="1944217" cy="1224136"/>
+            </a:xfrm>
+            <a:prstGeom prst="line">
+              <a:avLst/>
+            </a:prstGeom>
+            <a:ln w="28575">
+              <a:solidFill>
+                <a:srgbClr val="0070C0"/>
+              </a:solidFill>
+            </a:ln>
+          </p:spPr>
+          <p:style>
+            <a:lnRef idx="1">
+              <a:schemeClr val="accent1"/>
+            </a:lnRef>
+            <a:fillRef idx="0">
+              <a:schemeClr val="accent1"/>
+            </a:fillRef>
+            <a:effectRef idx="0">
+              <a:schemeClr val="accent1"/>
+            </a:effectRef>
+            <a:fontRef idx="minor">
+              <a:schemeClr val="tx1"/>
+            </a:fontRef>
+          </p:style>
+        </p:cxnSp>
+        <p:sp>
+          <p:nvSpPr>
+            <p:cNvPr id="13" name="TextBox 12">
+              <a:extLst>
+                <a:ext uri="{FF2B5EF4-FFF2-40B4-BE49-F238E27FC236}">
+                  <a16:creationId xmlns:a16="http://schemas.microsoft.com/office/drawing/2014/main" xmlns="" id="{00619D99-155A-4386-AAA4-26B12DE14A83}"/>
+                </a:ext>
+              </a:extLst>
+            </p:cNvPr>
+            <p:cNvSpPr txBox="1"/>
+            <p:nvPr/>
+          </p:nvSpPr>
+          <p:spPr>
+            <a:xfrm>
+              <a:off x="7398437" y="5008530"/>
+              <a:ext cx="513282" cy="369332"/>
+            </a:xfrm>
+            <a:prstGeom prst="rect">
+              <a:avLst/>
+            </a:prstGeom>
+            <a:noFill/>
+          </p:spPr>
+          <p:txBody>
+            <a:bodyPr wrap="none" rtlCol="0">
+              <a:spAutoFit/>
+            </a:bodyPr>
+            <a:lstStyle/>
+            <a:p>
+              <a:r>
+                <a:rPr lang="en-US" dirty="0"/>
+                <a:t>POI</a:t>
+              </a:r>
+            </a:p>
+          </p:txBody>
+        </p:sp>
+        <p:sp>
+          <p:nvSpPr>
+            <p:cNvPr id="14" name="TextBox 13">
+              <a:extLst>
+                <a:ext uri="{FF2B5EF4-FFF2-40B4-BE49-F238E27FC236}">
+                  <a16:creationId xmlns:a16="http://schemas.microsoft.com/office/drawing/2014/main" xmlns="" id="{E4751A58-E0DA-4E3A-B7BB-7C6D253F9B87}"/>
+                </a:ext>
+              </a:extLst>
+            </p:cNvPr>
+            <p:cNvSpPr txBox="1"/>
+            <p:nvPr/>
+          </p:nvSpPr>
+          <p:spPr>
+            <a:xfrm>
+              <a:off x="6639869" y="6206646"/>
+              <a:ext cx="546945" cy="307777"/>
+            </a:xfrm>
+            <a:prstGeom prst="rect">
+              <a:avLst/>
+            </a:prstGeom>
+            <a:noFill/>
+          </p:spPr>
+          <p:txBody>
+            <a:bodyPr wrap="none" rtlCol="0">
+              <a:spAutoFit/>
+            </a:bodyPr>
+            <a:lstStyle/>
+            <a:p>
+              <a:r>
+                <a:rPr lang="en-US" sz="1400" dirty="0"/>
+                <a:t>Time</a:t>
+              </a:r>
+            </a:p>
+          </p:txBody>
+        </p:sp>
+        <p:sp>
+          <p:nvSpPr>
+            <p:cNvPr id="15" name="TextBox 14">
+              <a:extLst>
+                <a:ext uri="{FF2B5EF4-FFF2-40B4-BE49-F238E27FC236}">
+                  <a16:creationId xmlns:a16="http://schemas.microsoft.com/office/drawing/2014/main" xmlns="" id="{BB005679-009A-41C7-A74C-ED7E264B8F16}"/>
+                </a:ext>
+              </a:extLst>
+            </p:cNvPr>
+            <p:cNvSpPr txBox="1"/>
+            <p:nvPr/>
+          </p:nvSpPr>
+          <p:spPr>
+            <a:xfrm>
+              <a:off x="5567992" y="4312875"/>
+              <a:ext cx="240100" cy="1815882"/>
+            </a:xfrm>
+            <a:prstGeom prst="rect">
+              <a:avLst/>
+            </a:prstGeom>
+            <a:noFill/>
+          </p:spPr>
+          <p:txBody>
+            <a:bodyPr wrap="square" rtlCol="0">
+              <a:spAutoFit/>
+            </a:bodyPr>
+            <a:lstStyle/>
+            <a:p>
+              <a:r>
+                <a:rPr lang="en-US" sz="1400" dirty="0"/>
+                <a:t>Position</a:t>
+              </a:r>
+            </a:p>
+          </p:txBody>
+        </p:sp>
+      </p:grpSp>
+      <p:sp>
+        <p:nvSpPr>
+          <p:cNvPr id="16" name="TextBox 15">
+            <a:extLst>
+              <a:ext uri="{FF2B5EF4-FFF2-40B4-BE49-F238E27FC236}">
+                <a16:creationId xmlns:a16="http://schemas.microsoft.com/office/drawing/2014/main" xmlns="" id="{3756DC1C-124B-4296-9597-D3897DC2A3FE}"/>
+              </a:ext>
+            </a:extLst>
+          </p:cNvPr>
+          <p:cNvSpPr txBox="1"/>
+          <p:nvPr/>
+        </p:nvSpPr>
+        <p:spPr>
+          <a:xfrm>
+            <a:off x="1205060" y="4701265"/>
+            <a:ext cx="1662635" cy="1569660"/>
+          </a:xfrm>
+          <a:prstGeom prst="rect">
+            <a:avLst/>
+          </a:prstGeom>
+          <a:noFill/>
+        </p:spPr>
+        <p:txBody>
+          <a:bodyPr wrap="none" rtlCol="0">
+            <a:spAutoFit/>
+          </a:bodyPr>
+          <a:lstStyle/>
+          <a:p>
+            <a:r>
+              <a:rPr lang="en-US" sz="2400" dirty="0">
+                <a:solidFill>
+                  <a:srgbClr val="0070C0"/>
+                </a:solidFill>
+              </a:rPr>
+              <a:t>5x + 3y = 11</a:t>
+            </a:r>
+          </a:p>
+          <a:p>
+            <a:r>
+              <a:rPr lang="en-US" sz="2400" dirty="0">
+                <a:solidFill>
+                  <a:srgbClr val="0070C0"/>
+                </a:solidFill>
+              </a:rPr>
+              <a:t>2x – 3y = 3</a:t>
+            </a:r>
+          </a:p>
+          <a:p>
+            <a:r>
+              <a:rPr lang="en-US" sz="2400" dirty="0">
+                <a:solidFill>
+                  <a:srgbClr val="0070C0"/>
+                </a:solidFill>
+              </a:rPr>
+              <a:t>7x         = 14</a:t>
+            </a:r>
+          </a:p>
+          <a:p>
+            <a:r>
+              <a:rPr lang="en-US" sz="2400" dirty="0">
+                <a:solidFill>
+                  <a:srgbClr val="0070C0"/>
+                </a:solidFill>
+              </a:rPr>
+              <a:t>  x         =  2</a:t>
+            </a:r>
+          </a:p>
+        </p:txBody>
+      </p:sp>
+      <p:cxnSp>
+        <p:nvCxnSpPr>
+          <p:cNvPr id="19" name="Straight Connector 18">
+            <a:extLst>
+              <a:ext uri="{FF2B5EF4-FFF2-40B4-BE49-F238E27FC236}">
+                <a16:creationId xmlns:a16="http://schemas.microsoft.com/office/drawing/2014/main" xmlns="" id="{732B03F3-16F3-444E-9973-791336F70266}"/>
+              </a:ext>
+            </a:extLst>
+          </p:cNvPr>
+          <p:cNvCxnSpPr>
+            <a:stCxn id="16" idx="1"/>
+            <a:endCxn id="16" idx="3"/>
+          </p:cNvCxnSpPr>
+          <p:nvPr/>
+        </p:nvCxnSpPr>
+        <p:spPr>
+          <a:xfrm>
+            <a:off x="1205060" y="5486095"/>
+            <a:ext cx="1662635" cy="0"/>
+          </a:xfrm>
+          <a:prstGeom prst="line">
+            <a:avLst/>
+          </a:prstGeom>
+          <a:ln w="38100">
+            <a:solidFill>
+              <a:srgbClr val="0070C0"/>
+            </a:solidFill>
+          </a:ln>
+        </p:spPr>
+        <p:style>
+          <a:lnRef idx="1">
+            <a:schemeClr val="accent1"/>
+          </a:lnRef>
+          <a:fillRef idx="0">
+            <a:schemeClr val="accent1"/>
+          </a:fillRef>
+          <a:effectRef idx="0">
+            <a:schemeClr val="accent1"/>
+          </a:effectRef>
+          <a:fontRef idx="minor">
+            <a:schemeClr val="tx1"/>
+          </a:fontRef>
+        </p:style>
+      </p:cxnSp>
+    </p:spTree>
+    <p:extLst>
+      <p:ext uri="{BB962C8B-B14F-4D97-AF65-F5344CB8AC3E}">
+        <p14:creationId xmlns:p14="http://schemas.microsoft.com/office/powerpoint/2010/main" val="1804767061"/>
+      </p:ext>
+    </p:extLst>
+  </p:cSld>
+  <p:clrMapOvr>
+    <a:masterClrMapping/>
+  </p:clrMapOvr>
+  <p:timing>
+    <p:tnLst>
+      <p:par>
+        <p:cTn id="1" dur="indefinite" restart="never" nodeType="tmRoot"/>
+      </p:par>
+    </p:tnLst>
+  </p:timing>
+</p:sld>
+</file>
+
 <file path=ppt/slides/slide4.xml><?xml version="1.0" encoding="utf-8"?>
 <p:sld xmlns:a="http://schemas.openxmlformats.org/drawingml/2006/main" xmlns:r="http://schemas.openxmlformats.org/officeDocument/2006/relationships" xmlns:p="http://schemas.openxmlformats.org/presentationml/2006/main">
   <p:cSld>
@@ -4655,6 +4662,13 @@
   <p:clrMapOvr>
     <a:masterClrMapping/>
   </p:clrMapOvr>
+  <p:timing>
+    <p:tnLst>
+      <p:par>
+        <p:cTn id="1" dur="indefinite" restart="never" nodeType="tmRoot"/>
+      </p:par>
+    </p:tnLst>
+  </p:timing>
 </p:sld>
 </file>
 
